--- a/Prelim/rl_graphics_square.pptx
+++ b/Prelim/rl_graphics_square.pptx
@@ -11,6 +11,8 @@
     <p:sldId id="262" r:id="rId5"/>
     <p:sldId id="260" r:id="rId6"/>
     <p:sldId id="261" r:id="rId7"/>
+    <p:sldId id="263" r:id="rId8"/>
+    <p:sldId id="264" r:id="rId9"/>
   </p:sldIdLst>
   <p:sldSz cx="6400800" cy="6400800"/>
   <p:notesSz cx="6858000" cy="9144000"/>
@@ -109,6 +111,11 @@
       </a:defRPr>
     </a:lvl9pPr>
   </p:defaultTextStyle>
+  <p:extLst>
+    <p:ext uri="{EFAFB233-063F-42B5-8137-9DF3F51BA10A}">
+      <p15:sldGuideLst xmlns:p15="http://schemas.microsoft.com/office/powerpoint/2012/main"/>
+    </p:ext>
+  </p:extLst>
 </p:presentation>
 </file>
 
@@ -243,7 +250,7 @@
           <a:p>
             <a:fld id="{6AF7B980-4624-49AB-84BE-C9928D905D90}" type="datetimeFigureOut">
               <a:rPr lang="en-US" smtClean="0"/>
-              <a:t>9/29/2021</a:t>
+              <a:t>10/16/2021</a:t>
             </a:fld>
             <a:endParaRPr lang="en-US"/>
           </a:p>
@@ -413,7 +420,7 @@
           <a:p>
             <a:fld id="{6AF7B980-4624-49AB-84BE-C9928D905D90}" type="datetimeFigureOut">
               <a:rPr lang="en-US" smtClean="0"/>
-              <a:t>9/29/2021</a:t>
+              <a:t>10/16/2021</a:t>
             </a:fld>
             <a:endParaRPr lang="en-US"/>
           </a:p>
@@ -593,7 +600,7 @@
           <a:p>
             <a:fld id="{6AF7B980-4624-49AB-84BE-C9928D905D90}" type="datetimeFigureOut">
               <a:rPr lang="en-US" smtClean="0"/>
-              <a:t>9/29/2021</a:t>
+              <a:t>10/16/2021</a:t>
             </a:fld>
             <a:endParaRPr lang="en-US"/>
           </a:p>
@@ -763,7 +770,7 @@
           <a:p>
             <a:fld id="{6AF7B980-4624-49AB-84BE-C9928D905D90}" type="datetimeFigureOut">
               <a:rPr lang="en-US" smtClean="0"/>
-              <a:t>9/29/2021</a:t>
+              <a:t>10/16/2021</a:t>
             </a:fld>
             <a:endParaRPr lang="en-US"/>
           </a:p>
@@ -1007,7 +1014,7 @@
           <a:p>
             <a:fld id="{6AF7B980-4624-49AB-84BE-C9928D905D90}" type="datetimeFigureOut">
               <a:rPr lang="en-US" smtClean="0"/>
-              <a:t>9/29/2021</a:t>
+              <a:t>10/16/2021</a:t>
             </a:fld>
             <a:endParaRPr lang="en-US"/>
           </a:p>
@@ -1239,7 +1246,7 @@
           <a:p>
             <a:fld id="{6AF7B980-4624-49AB-84BE-C9928D905D90}" type="datetimeFigureOut">
               <a:rPr lang="en-US" smtClean="0"/>
-              <a:t>9/29/2021</a:t>
+              <a:t>10/16/2021</a:t>
             </a:fld>
             <a:endParaRPr lang="en-US"/>
           </a:p>
@@ -1606,7 +1613,7 @@
           <a:p>
             <a:fld id="{6AF7B980-4624-49AB-84BE-C9928D905D90}" type="datetimeFigureOut">
               <a:rPr lang="en-US" smtClean="0"/>
-              <a:t>9/29/2021</a:t>
+              <a:t>10/16/2021</a:t>
             </a:fld>
             <a:endParaRPr lang="en-US"/>
           </a:p>
@@ -1724,7 +1731,7 @@
           <a:p>
             <a:fld id="{6AF7B980-4624-49AB-84BE-C9928D905D90}" type="datetimeFigureOut">
               <a:rPr lang="en-US" smtClean="0"/>
-              <a:t>9/29/2021</a:t>
+              <a:t>10/16/2021</a:t>
             </a:fld>
             <a:endParaRPr lang="en-US"/>
           </a:p>
@@ -1819,7 +1826,7 @@
           <a:p>
             <a:fld id="{6AF7B980-4624-49AB-84BE-C9928D905D90}" type="datetimeFigureOut">
               <a:rPr lang="en-US" smtClean="0"/>
-              <a:t>9/29/2021</a:t>
+              <a:t>10/16/2021</a:t>
             </a:fld>
             <a:endParaRPr lang="en-US"/>
           </a:p>
@@ -2096,7 +2103,7 @@
           <a:p>
             <a:fld id="{6AF7B980-4624-49AB-84BE-C9928D905D90}" type="datetimeFigureOut">
               <a:rPr lang="en-US" smtClean="0"/>
-              <a:t>9/29/2021</a:t>
+              <a:t>10/16/2021</a:t>
             </a:fld>
             <a:endParaRPr lang="en-US"/>
           </a:p>
@@ -2353,7 +2360,7 @@
           <a:p>
             <a:fld id="{6AF7B980-4624-49AB-84BE-C9928D905D90}" type="datetimeFigureOut">
               <a:rPr lang="en-US" smtClean="0"/>
-              <a:t>9/29/2021</a:t>
+              <a:t>10/16/2021</a:t>
             </a:fld>
             <a:endParaRPr lang="en-US"/>
           </a:p>
@@ -2566,7 +2573,7 @@
           <a:p>
             <a:fld id="{6AF7B980-4624-49AB-84BE-C9928D905D90}" type="datetimeFigureOut">
               <a:rPr lang="en-US" smtClean="0"/>
-              <a:t>9/29/2021</a:t>
+              <a:t>10/16/2021</a:t>
             </a:fld>
             <a:endParaRPr lang="en-US"/>
           </a:p>
@@ -7093,6 +7100,1445 @@
 </p:sld>
 </file>
 
+<file path=ppt/slides/slide7.xml><?xml version="1.0" encoding="utf-8"?>
+<p:sld xmlns:a="http://schemas.openxmlformats.org/drawingml/2006/main" xmlns:r="http://schemas.openxmlformats.org/officeDocument/2006/relationships" xmlns:p="http://schemas.openxmlformats.org/presentationml/2006/main">
+  <p:cSld>
+    <p:spTree>
+      <p:nvGrpSpPr>
+        <p:cNvPr id="1" name=""/>
+        <p:cNvGrpSpPr/>
+        <p:nvPr/>
+      </p:nvGrpSpPr>
+      <p:grpSpPr>
+        <a:xfrm>
+          <a:off x="0" y="0"/>
+          <a:ext cx="0" cy="0"/>
+          <a:chOff x="0" y="0"/>
+          <a:chExt cx="0" cy="0"/>
+        </a:xfrm>
+      </p:grpSpPr>
+      <p:sp>
+        <p:nvSpPr>
+          <p:cNvPr id="4" name="Oval 3">
+            <a:extLst>
+              <a:ext uri="{FF2B5EF4-FFF2-40B4-BE49-F238E27FC236}">
+                <a16:creationId xmlns:a16="http://schemas.microsoft.com/office/drawing/2014/main" id="{AF4EE0B3-7047-4A81-8038-FDC91214DB3F}"/>
+              </a:ext>
+            </a:extLst>
+          </p:cNvPr>
+          <p:cNvSpPr/>
+          <p:nvPr/>
+        </p:nvSpPr>
+        <p:spPr>
+          <a:xfrm>
+            <a:off x="618565" y="1102658"/>
+            <a:ext cx="1308847" cy="806823"/>
+          </a:xfrm>
+          <a:prstGeom prst="ellipse">
+            <a:avLst/>
+          </a:prstGeom>
+          <a:solidFill>
+            <a:schemeClr val="accent6">
+              <a:lumMod val="75000"/>
+            </a:schemeClr>
+          </a:solidFill>
+          <a:ln>
+            <a:solidFill>
+              <a:schemeClr val="accent6">
+                <a:lumMod val="75000"/>
+              </a:schemeClr>
+            </a:solidFill>
+          </a:ln>
+        </p:spPr>
+        <p:style>
+          <a:lnRef idx="2">
+            <a:schemeClr val="accent1">
+              <a:shade val="50000"/>
+            </a:schemeClr>
+          </a:lnRef>
+          <a:fillRef idx="1">
+            <a:schemeClr val="accent1"/>
+          </a:fillRef>
+          <a:effectRef idx="0">
+            <a:schemeClr val="accent1"/>
+          </a:effectRef>
+          <a:fontRef idx="minor">
+            <a:schemeClr val="lt1"/>
+          </a:fontRef>
+        </p:style>
+        <p:txBody>
+          <a:bodyPr rtlCol="0" anchor="ctr"/>
+          <a:lstStyle/>
+          <a:p>
+            <a:pPr algn="ctr"/>
+            <a:endParaRPr lang="en-US"/>
+          </a:p>
+        </p:txBody>
+      </p:sp>
+      <p:sp>
+        <p:nvSpPr>
+          <p:cNvPr id="5" name="Oval 4">
+            <a:extLst>
+              <a:ext uri="{FF2B5EF4-FFF2-40B4-BE49-F238E27FC236}">
+                <a16:creationId xmlns:a16="http://schemas.microsoft.com/office/drawing/2014/main" id="{2ACF874F-8C70-42D3-BFE8-BAFAEA26B710}"/>
+              </a:ext>
+            </a:extLst>
+          </p:cNvPr>
+          <p:cNvSpPr/>
+          <p:nvPr/>
+        </p:nvSpPr>
+        <p:spPr>
+          <a:xfrm>
+            <a:off x="618564" y="2393577"/>
+            <a:ext cx="1308847" cy="806823"/>
+          </a:xfrm>
+          <a:prstGeom prst="ellipse">
+            <a:avLst/>
+          </a:prstGeom>
+          <a:solidFill>
+            <a:schemeClr val="accent6">
+              <a:lumMod val="75000"/>
+            </a:schemeClr>
+          </a:solidFill>
+          <a:ln>
+            <a:solidFill>
+              <a:schemeClr val="accent6">
+                <a:lumMod val="75000"/>
+              </a:schemeClr>
+            </a:solidFill>
+          </a:ln>
+        </p:spPr>
+        <p:style>
+          <a:lnRef idx="2">
+            <a:schemeClr val="accent1">
+              <a:shade val="50000"/>
+            </a:schemeClr>
+          </a:lnRef>
+          <a:fillRef idx="1">
+            <a:schemeClr val="accent1"/>
+          </a:fillRef>
+          <a:effectRef idx="0">
+            <a:schemeClr val="accent1"/>
+          </a:effectRef>
+          <a:fontRef idx="minor">
+            <a:schemeClr val="lt1"/>
+          </a:fontRef>
+        </p:style>
+        <p:txBody>
+          <a:bodyPr rtlCol="0" anchor="ctr"/>
+          <a:lstStyle/>
+          <a:p>
+            <a:pPr algn="ctr"/>
+            <a:endParaRPr lang="en-US"/>
+          </a:p>
+        </p:txBody>
+      </p:sp>
+      <p:sp>
+        <p:nvSpPr>
+          <p:cNvPr id="6" name="Oval 5">
+            <a:extLst>
+              <a:ext uri="{FF2B5EF4-FFF2-40B4-BE49-F238E27FC236}">
+                <a16:creationId xmlns:a16="http://schemas.microsoft.com/office/drawing/2014/main" id="{2F323352-DC24-4255-9B1D-A914C0801D2F}"/>
+              </a:ext>
+            </a:extLst>
+          </p:cNvPr>
+          <p:cNvSpPr/>
+          <p:nvPr/>
+        </p:nvSpPr>
+        <p:spPr>
+          <a:xfrm>
+            <a:off x="618564" y="3684497"/>
+            <a:ext cx="1308847" cy="806823"/>
+          </a:xfrm>
+          <a:prstGeom prst="ellipse">
+            <a:avLst/>
+          </a:prstGeom>
+          <a:solidFill>
+            <a:schemeClr val="accent6">
+              <a:lumMod val="75000"/>
+            </a:schemeClr>
+          </a:solidFill>
+          <a:ln>
+            <a:solidFill>
+              <a:schemeClr val="accent6">
+                <a:lumMod val="75000"/>
+              </a:schemeClr>
+            </a:solidFill>
+          </a:ln>
+        </p:spPr>
+        <p:style>
+          <a:lnRef idx="2">
+            <a:schemeClr val="accent1">
+              <a:shade val="50000"/>
+            </a:schemeClr>
+          </a:lnRef>
+          <a:fillRef idx="1">
+            <a:schemeClr val="accent1"/>
+          </a:fillRef>
+          <a:effectRef idx="0">
+            <a:schemeClr val="accent1"/>
+          </a:effectRef>
+          <a:fontRef idx="minor">
+            <a:schemeClr val="lt1"/>
+          </a:fontRef>
+        </p:style>
+        <p:txBody>
+          <a:bodyPr rtlCol="0" anchor="ctr"/>
+          <a:lstStyle/>
+          <a:p>
+            <a:pPr algn="ctr"/>
+            <a:endParaRPr lang="en-US"/>
+          </a:p>
+        </p:txBody>
+      </p:sp>
+      <p:sp>
+        <p:nvSpPr>
+          <p:cNvPr id="8" name="Oval 7">
+            <a:extLst>
+              <a:ext uri="{FF2B5EF4-FFF2-40B4-BE49-F238E27FC236}">
+                <a16:creationId xmlns:a16="http://schemas.microsoft.com/office/drawing/2014/main" id="{F1B4FE4D-0F2B-4340-AAC1-AF39272E54DA}"/>
+              </a:ext>
+            </a:extLst>
+          </p:cNvPr>
+          <p:cNvSpPr/>
+          <p:nvPr/>
+        </p:nvSpPr>
+        <p:spPr>
+          <a:xfrm>
+            <a:off x="618563" y="4975417"/>
+            <a:ext cx="1308847" cy="806823"/>
+          </a:xfrm>
+          <a:prstGeom prst="ellipse">
+            <a:avLst/>
+          </a:prstGeom>
+          <a:solidFill>
+            <a:schemeClr val="accent6">
+              <a:lumMod val="75000"/>
+            </a:schemeClr>
+          </a:solidFill>
+          <a:ln>
+            <a:solidFill>
+              <a:schemeClr val="accent6">
+                <a:lumMod val="75000"/>
+              </a:schemeClr>
+            </a:solidFill>
+          </a:ln>
+        </p:spPr>
+        <p:style>
+          <a:lnRef idx="2">
+            <a:schemeClr val="accent1">
+              <a:shade val="50000"/>
+            </a:schemeClr>
+          </a:lnRef>
+          <a:fillRef idx="1">
+            <a:schemeClr val="accent1"/>
+          </a:fillRef>
+          <a:effectRef idx="0">
+            <a:schemeClr val="accent1"/>
+          </a:effectRef>
+          <a:fontRef idx="minor">
+            <a:schemeClr val="lt1"/>
+          </a:fontRef>
+        </p:style>
+        <p:txBody>
+          <a:bodyPr rtlCol="0" anchor="ctr"/>
+          <a:lstStyle/>
+          <a:p>
+            <a:pPr algn="ctr"/>
+            <a:endParaRPr lang="en-US"/>
+          </a:p>
+        </p:txBody>
+      </p:sp>
+      <p:sp>
+        <p:nvSpPr>
+          <p:cNvPr id="9" name="Oval 8">
+            <a:extLst>
+              <a:ext uri="{FF2B5EF4-FFF2-40B4-BE49-F238E27FC236}">
+                <a16:creationId xmlns:a16="http://schemas.microsoft.com/office/drawing/2014/main" id="{9A441E0A-4DCE-45AB-BFFB-E3F9F43AAC0D}"/>
+              </a:ext>
+            </a:extLst>
+          </p:cNvPr>
+          <p:cNvSpPr/>
+          <p:nvPr/>
+        </p:nvSpPr>
+        <p:spPr>
+          <a:xfrm>
+            <a:off x="4473390" y="1102657"/>
+            <a:ext cx="1308847" cy="806823"/>
+          </a:xfrm>
+          <a:prstGeom prst="ellipse">
+            <a:avLst/>
+          </a:prstGeom>
+          <a:solidFill>
+            <a:schemeClr val="accent4">
+              <a:lumMod val="60000"/>
+              <a:lumOff val="40000"/>
+            </a:schemeClr>
+          </a:solidFill>
+          <a:ln>
+            <a:solidFill>
+              <a:schemeClr val="accent4">
+                <a:lumMod val="60000"/>
+                <a:lumOff val="40000"/>
+              </a:schemeClr>
+            </a:solidFill>
+          </a:ln>
+          <a:effectLst>
+            <a:glow rad="228600">
+              <a:schemeClr val="accent5">
+                <a:satMod val="175000"/>
+                <a:alpha val="71000"/>
+              </a:schemeClr>
+            </a:glow>
+          </a:effectLst>
+        </p:spPr>
+        <p:style>
+          <a:lnRef idx="2">
+            <a:schemeClr val="accent1">
+              <a:shade val="50000"/>
+            </a:schemeClr>
+          </a:lnRef>
+          <a:fillRef idx="1">
+            <a:schemeClr val="accent1"/>
+          </a:fillRef>
+          <a:effectRef idx="0">
+            <a:schemeClr val="accent1"/>
+          </a:effectRef>
+          <a:fontRef idx="minor">
+            <a:schemeClr val="lt1"/>
+          </a:fontRef>
+        </p:style>
+        <p:txBody>
+          <a:bodyPr rtlCol="0" anchor="ctr"/>
+          <a:lstStyle/>
+          <a:p>
+            <a:pPr algn="ctr"/>
+            <a:endParaRPr lang="en-US"/>
+          </a:p>
+        </p:txBody>
+      </p:sp>
+      <p:pic>
+        <p:nvPicPr>
+          <p:cNvPr id="7" name="Picture 6" descr="\documentclass{article}&#10;\usepackage{amsmath}&#10;\pagestyle{empty}&#10;\begin{document}&#10;&#10;$n_B$ independent decisions&#10;&#10;&#10;\end{document}" title="IguanaTex Bitmap Display">
+            <a:extLst>
+              <a:ext uri="{FF2B5EF4-FFF2-40B4-BE49-F238E27FC236}">
+                <a16:creationId xmlns:a16="http://schemas.microsoft.com/office/drawing/2014/main" id="{6177B82F-0780-435B-9D9F-ADBEA9F3A4B4}"/>
+              </a:ext>
+            </a:extLst>
+          </p:cNvPr>
+          <p:cNvPicPr>
+            <a:picLocks noChangeAspect="1"/>
+          </p:cNvPicPr>
+          <p:nvPr>
+            <p:custDataLst>
+              <p:tags r:id="rId1"/>
+            </p:custDataLst>
+          </p:nvPr>
+        </p:nvPicPr>
+        <p:blipFill>
+          <a:blip r:embed="rId5">
+            <a:extLst>
+              <a:ext uri="{28A0092B-C50C-407E-A947-70E740481C1C}">
+                <a14:useLocalDpi xmlns:a14="http://schemas.microsoft.com/office/drawing/2010/main" val="0"/>
+              </a:ext>
+            </a:extLst>
+          </a:blip>
+          <a:stretch>
+            <a:fillRect/>
+          </a:stretch>
+        </p:blipFill>
+        <p:spPr>
+          <a:xfrm>
+            <a:off x="3874264" y="518304"/>
+            <a:ext cx="2507097" cy="200513"/>
+          </a:xfrm>
+          <a:prstGeom prst="rect">
+            <a:avLst/>
+          </a:prstGeom>
+        </p:spPr>
+      </p:pic>
+      <p:sp>
+        <p:nvSpPr>
+          <p:cNvPr id="14" name="Oval 13">
+            <a:extLst>
+              <a:ext uri="{FF2B5EF4-FFF2-40B4-BE49-F238E27FC236}">
+                <a16:creationId xmlns:a16="http://schemas.microsoft.com/office/drawing/2014/main" id="{8285A33D-496E-48BE-97A9-5878440A09BC}"/>
+              </a:ext>
+            </a:extLst>
+          </p:cNvPr>
+          <p:cNvSpPr/>
+          <p:nvPr/>
+        </p:nvSpPr>
+        <p:spPr>
+          <a:xfrm>
+            <a:off x="4473390" y="2393576"/>
+            <a:ext cx="1308847" cy="806823"/>
+          </a:xfrm>
+          <a:prstGeom prst="ellipse">
+            <a:avLst/>
+          </a:prstGeom>
+          <a:solidFill>
+            <a:schemeClr val="accent4">
+              <a:lumMod val="60000"/>
+              <a:lumOff val="40000"/>
+            </a:schemeClr>
+          </a:solidFill>
+          <a:ln>
+            <a:solidFill>
+              <a:schemeClr val="accent4">
+                <a:lumMod val="60000"/>
+                <a:lumOff val="40000"/>
+              </a:schemeClr>
+            </a:solidFill>
+          </a:ln>
+          <a:effectLst/>
+        </p:spPr>
+        <p:style>
+          <a:lnRef idx="2">
+            <a:schemeClr val="accent1">
+              <a:shade val="50000"/>
+            </a:schemeClr>
+          </a:lnRef>
+          <a:fillRef idx="1">
+            <a:schemeClr val="accent1"/>
+          </a:fillRef>
+          <a:effectRef idx="0">
+            <a:schemeClr val="accent1"/>
+          </a:effectRef>
+          <a:fontRef idx="minor">
+            <a:schemeClr val="lt1"/>
+          </a:fontRef>
+        </p:style>
+        <p:txBody>
+          <a:bodyPr rtlCol="0" anchor="ctr"/>
+          <a:lstStyle/>
+          <a:p>
+            <a:pPr algn="ctr"/>
+            <a:endParaRPr lang="en-US"/>
+          </a:p>
+        </p:txBody>
+      </p:sp>
+      <p:sp>
+        <p:nvSpPr>
+          <p:cNvPr id="15" name="Oval 14">
+            <a:extLst>
+              <a:ext uri="{FF2B5EF4-FFF2-40B4-BE49-F238E27FC236}">
+                <a16:creationId xmlns:a16="http://schemas.microsoft.com/office/drawing/2014/main" id="{AB4311BF-63E5-4364-A8E9-EFFDA4D36FA5}"/>
+              </a:ext>
+            </a:extLst>
+          </p:cNvPr>
+          <p:cNvSpPr/>
+          <p:nvPr/>
+        </p:nvSpPr>
+        <p:spPr>
+          <a:xfrm>
+            <a:off x="4473390" y="3684495"/>
+            <a:ext cx="1308847" cy="806823"/>
+          </a:xfrm>
+          <a:prstGeom prst="ellipse">
+            <a:avLst/>
+          </a:prstGeom>
+          <a:solidFill>
+            <a:schemeClr val="accent4">
+              <a:lumMod val="60000"/>
+              <a:lumOff val="40000"/>
+            </a:schemeClr>
+          </a:solidFill>
+          <a:ln>
+            <a:solidFill>
+              <a:schemeClr val="accent4">
+                <a:lumMod val="60000"/>
+                <a:lumOff val="40000"/>
+              </a:schemeClr>
+            </a:solidFill>
+          </a:ln>
+          <a:effectLst>
+            <a:glow rad="228600">
+              <a:schemeClr val="accent5">
+                <a:satMod val="175000"/>
+                <a:alpha val="71000"/>
+              </a:schemeClr>
+            </a:glow>
+          </a:effectLst>
+        </p:spPr>
+        <p:style>
+          <a:lnRef idx="2">
+            <a:schemeClr val="accent1">
+              <a:shade val="50000"/>
+            </a:schemeClr>
+          </a:lnRef>
+          <a:fillRef idx="1">
+            <a:schemeClr val="accent1"/>
+          </a:fillRef>
+          <a:effectRef idx="0">
+            <a:schemeClr val="accent1"/>
+          </a:effectRef>
+          <a:fontRef idx="minor">
+            <a:schemeClr val="lt1"/>
+          </a:fontRef>
+        </p:style>
+        <p:txBody>
+          <a:bodyPr rtlCol="0" anchor="ctr"/>
+          <a:lstStyle/>
+          <a:p>
+            <a:pPr algn="ctr"/>
+            <a:endParaRPr lang="en-US"/>
+          </a:p>
+        </p:txBody>
+      </p:sp>
+      <p:sp>
+        <p:nvSpPr>
+          <p:cNvPr id="16" name="Oval 15">
+            <a:extLst>
+              <a:ext uri="{FF2B5EF4-FFF2-40B4-BE49-F238E27FC236}">
+                <a16:creationId xmlns:a16="http://schemas.microsoft.com/office/drawing/2014/main" id="{976FBFC3-1BE7-4DBF-9B0B-A496E1E1C88E}"/>
+              </a:ext>
+            </a:extLst>
+          </p:cNvPr>
+          <p:cNvSpPr/>
+          <p:nvPr/>
+        </p:nvSpPr>
+        <p:spPr>
+          <a:xfrm>
+            <a:off x="4473390" y="4975414"/>
+            <a:ext cx="1308847" cy="806823"/>
+          </a:xfrm>
+          <a:prstGeom prst="ellipse">
+            <a:avLst/>
+          </a:prstGeom>
+          <a:solidFill>
+            <a:schemeClr val="accent4">
+              <a:lumMod val="60000"/>
+              <a:lumOff val="40000"/>
+            </a:schemeClr>
+          </a:solidFill>
+          <a:ln>
+            <a:solidFill>
+              <a:schemeClr val="accent4">
+                <a:lumMod val="60000"/>
+                <a:lumOff val="40000"/>
+              </a:schemeClr>
+            </a:solidFill>
+          </a:ln>
+          <a:effectLst/>
+        </p:spPr>
+        <p:style>
+          <a:lnRef idx="2">
+            <a:schemeClr val="accent1">
+              <a:shade val="50000"/>
+            </a:schemeClr>
+          </a:lnRef>
+          <a:fillRef idx="1">
+            <a:schemeClr val="accent1"/>
+          </a:fillRef>
+          <a:effectRef idx="0">
+            <a:schemeClr val="accent1"/>
+          </a:effectRef>
+          <a:fontRef idx="minor">
+            <a:schemeClr val="lt1"/>
+          </a:fontRef>
+        </p:style>
+        <p:txBody>
+          <a:bodyPr rtlCol="0" anchor="ctr"/>
+          <a:lstStyle/>
+          <a:p>
+            <a:pPr algn="ctr"/>
+            <a:endParaRPr lang="en-US"/>
+          </a:p>
+        </p:txBody>
+      </p:sp>
+      <p:cxnSp>
+        <p:nvCxnSpPr>
+          <p:cNvPr id="3" name="Straight Connector 2">
+            <a:extLst>
+              <a:ext uri="{FF2B5EF4-FFF2-40B4-BE49-F238E27FC236}">
+                <a16:creationId xmlns:a16="http://schemas.microsoft.com/office/drawing/2014/main" id="{82C0566B-2A73-4582-8C2A-D9887085417A}"/>
+              </a:ext>
+            </a:extLst>
+          </p:cNvPr>
+          <p:cNvCxnSpPr/>
+          <p:nvPr/>
+        </p:nvCxnSpPr>
+        <p:spPr>
+          <a:xfrm>
+            <a:off x="2241176" y="1488141"/>
+            <a:ext cx="1837765" cy="0"/>
+          </a:xfrm>
+          <a:prstGeom prst="line">
+            <a:avLst/>
+          </a:prstGeom>
+          <a:ln w="38100"/>
+        </p:spPr>
+        <p:style>
+          <a:lnRef idx="1">
+            <a:schemeClr val="dk1"/>
+          </a:lnRef>
+          <a:fillRef idx="0">
+            <a:schemeClr val="dk1"/>
+          </a:fillRef>
+          <a:effectRef idx="0">
+            <a:schemeClr val="dk1"/>
+          </a:effectRef>
+          <a:fontRef idx="minor">
+            <a:schemeClr val="tx1"/>
+          </a:fontRef>
+        </p:style>
+      </p:cxnSp>
+      <p:cxnSp>
+        <p:nvCxnSpPr>
+          <p:cNvPr id="13" name="Straight Connector 12">
+            <a:extLst>
+              <a:ext uri="{FF2B5EF4-FFF2-40B4-BE49-F238E27FC236}">
+                <a16:creationId xmlns:a16="http://schemas.microsoft.com/office/drawing/2014/main" id="{2E96583A-8207-42F4-8C5A-457B4C4D32C6}"/>
+              </a:ext>
+            </a:extLst>
+          </p:cNvPr>
+          <p:cNvCxnSpPr>
+            <a:cxnSpLocks/>
+          </p:cNvCxnSpPr>
+          <p:nvPr/>
+        </p:nvCxnSpPr>
+        <p:spPr>
+          <a:xfrm>
+            <a:off x="2281517" y="1676400"/>
+            <a:ext cx="1905001" cy="2393576"/>
+          </a:xfrm>
+          <a:prstGeom prst="line">
+            <a:avLst/>
+          </a:prstGeom>
+          <a:ln w="38100"/>
+        </p:spPr>
+        <p:style>
+          <a:lnRef idx="1">
+            <a:schemeClr val="dk1"/>
+          </a:lnRef>
+          <a:fillRef idx="0">
+            <a:schemeClr val="dk1"/>
+          </a:fillRef>
+          <a:effectRef idx="0">
+            <a:schemeClr val="dk1"/>
+          </a:effectRef>
+          <a:fontRef idx="minor">
+            <a:schemeClr val="tx1"/>
+          </a:fontRef>
+        </p:style>
+      </p:cxnSp>
+      <p:pic>
+        <p:nvPicPr>
+          <p:cNvPr id="17" name="Picture 16" descr="\documentclass{article}&#10;\usepackage{amsmath}&#10;\pagestyle{empty}&#10;\begin{document}&#10;&#10;&#10;$P(Z_1  = 1) = .95$&#10;&#10;\end{document}" title="IguanaTex Bitmap Display">
+            <a:extLst>
+              <a:ext uri="{FF2B5EF4-FFF2-40B4-BE49-F238E27FC236}">
+                <a16:creationId xmlns:a16="http://schemas.microsoft.com/office/drawing/2014/main" id="{C5BF84E3-E967-40E2-8879-F315E5912834}"/>
+              </a:ext>
+            </a:extLst>
+          </p:cNvPr>
+          <p:cNvPicPr>
+            <a:picLocks noChangeAspect="1"/>
+          </p:cNvPicPr>
+          <p:nvPr>
+            <p:custDataLst>
+              <p:tags r:id="rId2"/>
+            </p:custDataLst>
+          </p:nvPr>
+        </p:nvPicPr>
+        <p:blipFill>
+          <a:blip r:embed="rId6">
+            <a:extLst>
+              <a:ext uri="{28A0092B-C50C-407E-A947-70E740481C1C}">
+                <a14:useLocalDpi xmlns:a14="http://schemas.microsoft.com/office/drawing/2010/main" val="0"/>
+              </a:ext>
+            </a:extLst>
+          </a:blip>
+          <a:stretch>
+            <a:fillRect/>
+          </a:stretch>
+        </p:blipFill>
+        <p:spPr>
+          <a:xfrm>
+            <a:off x="2545976" y="1170314"/>
+            <a:ext cx="1308847" cy="186818"/>
+          </a:xfrm>
+          <a:prstGeom prst="rect">
+            <a:avLst/>
+          </a:prstGeom>
+        </p:spPr>
+      </p:pic>
+      <p:pic>
+        <p:nvPicPr>
+          <p:cNvPr id="12" name="Picture 11" descr="\documentclass{article}&#10;\usepackage{amsmath}&#10;\pagestyle{empty}&#10;\begin{document}&#10;&#10;&#10;$P(Z_3  = 1) = .95$&#10;&#10;\end{document}" title="IguanaTex Bitmap Display">
+            <a:extLst>
+              <a:ext uri="{FF2B5EF4-FFF2-40B4-BE49-F238E27FC236}">
+                <a16:creationId xmlns:a16="http://schemas.microsoft.com/office/drawing/2014/main" id="{BBFDC54F-2BC8-41CF-B270-C7C4B1C62DA7}"/>
+              </a:ext>
+            </a:extLst>
+          </p:cNvPr>
+          <p:cNvPicPr>
+            <a:picLocks noChangeAspect="1"/>
+          </p:cNvPicPr>
+          <p:nvPr>
+            <p:custDataLst>
+              <p:tags r:id="rId3"/>
+            </p:custDataLst>
+          </p:nvPr>
+        </p:nvPicPr>
+        <p:blipFill>
+          <a:blip r:embed="rId7">
+            <a:extLst>
+              <a:ext uri="{28A0092B-C50C-407E-A947-70E740481C1C}">
+                <a14:useLocalDpi xmlns:a14="http://schemas.microsoft.com/office/drawing/2010/main" val="0"/>
+              </a:ext>
+            </a:extLst>
+          </a:blip>
+          <a:stretch>
+            <a:fillRect/>
+          </a:stretch>
+        </p:blipFill>
+        <p:spPr>
+          <a:xfrm>
+            <a:off x="2097741" y="3497677"/>
+            <a:ext cx="1308847" cy="186818"/>
+          </a:xfrm>
+          <a:prstGeom prst="rect">
+            <a:avLst/>
+          </a:prstGeom>
+        </p:spPr>
+      </p:pic>
+    </p:spTree>
+    <p:extLst>
+      <p:ext uri="{BB962C8B-B14F-4D97-AF65-F5344CB8AC3E}">
+        <p14:creationId xmlns:p14="http://schemas.microsoft.com/office/powerpoint/2010/main" val="2606170632"/>
+      </p:ext>
+    </p:extLst>
+  </p:cSld>
+  <p:clrMapOvr>
+    <a:masterClrMapping/>
+  </p:clrMapOvr>
+</p:sld>
+</file>
+
+<file path=ppt/slides/slide8.xml><?xml version="1.0" encoding="utf-8"?>
+<p:sld xmlns:a="http://schemas.openxmlformats.org/drawingml/2006/main" xmlns:r="http://schemas.openxmlformats.org/officeDocument/2006/relationships" xmlns:p="http://schemas.openxmlformats.org/presentationml/2006/main">
+  <p:cSld>
+    <p:spTree>
+      <p:nvGrpSpPr>
+        <p:cNvPr id="1" name=""/>
+        <p:cNvGrpSpPr/>
+        <p:nvPr/>
+      </p:nvGrpSpPr>
+      <p:grpSpPr>
+        <a:xfrm>
+          <a:off x="0" y="0"/>
+          <a:ext cx="0" cy="0"/>
+          <a:chOff x="0" y="0"/>
+          <a:chExt cx="0" cy="0"/>
+        </a:xfrm>
+      </p:grpSpPr>
+      <p:sp>
+        <p:nvSpPr>
+          <p:cNvPr id="4" name="Oval 3">
+            <a:extLst>
+              <a:ext uri="{FF2B5EF4-FFF2-40B4-BE49-F238E27FC236}">
+                <a16:creationId xmlns:a16="http://schemas.microsoft.com/office/drawing/2014/main" id="{AF4EE0B3-7047-4A81-8038-FDC91214DB3F}"/>
+              </a:ext>
+            </a:extLst>
+          </p:cNvPr>
+          <p:cNvSpPr/>
+          <p:nvPr/>
+        </p:nvSpPr>
+        <p:spPr>
+          <a:xfrm>
+            <a:off x="618565" y="1102658"/>
+            <a:ext cx="1308847" cy="806823"/>
+          </a:xfrm>
+          <a:prstGeom prst="ellipse">
+            <a:avLst/>
+          </a:prstGeom>
+          <a:solidFill>
+            <a:schemeClr val="accent6">
+              <a:lumMod val="75000"/>
+            </a:schemeClr>
+          </a:solidFill>
+          <a:ln>
+            <a:solidFill>
+              <a:schemeClr val="accent6">
+                <a:lumMod val="75000"/>
+              </a:schemeClr>
+            </a:solidFill>
+          </a:ln>
+        </p:spPr>
+        <p:style>
+          <a:lnRef idx="2">
+            <a:schemeClr val="accent1">
+              <a:shade val="50000"/>
+            </a:schemeClr>
+          </a:lnRef>
+          <a:fillRef idx="1">
+            <a:schemeClr val="accent1"/>
+          </a:fillRef>
+          <a:effectRef idx="0">
+            <a:schemeClr val="accent1"/>
+          </a:effectRef>
+          <a:fontRef idx="minor">
+            <a:schemeClr val="lt1"/>
+          </a:fontRef>
+        </p:style>
+        <p:txBody>
+          <a:bodyPr rtlCol="0" anchor="ctr"/>
+          <a:lstStyle/>
+          <a:p>
+            <a:pPr algn="ctr"/>
+            <a:endParaRPr lang="en-US"/>
+          </a:p>
+        </p:txBody>
+      </p:sp>
+      <p:sp>
+        <p:nvSpPr>
+          <p:cNvPr id="5" name="Oval 4">
+            <a:extLst>
+              <a:ext uri="{FF2B5EF4-FFF2-40B4-BE49-F238E27FC236}">
+                <a16:creationId xmlns:a16="http://schemas.microsoft.com/office/drawing/2014/main" id="{2ACF874F-8C70-42D3-BFE8-BAFAEA26B710}"/>
+              </a:ext>
+            </a:extLst>
+          </p:cNvPr>
+          <p:cNvSpPr/>
+          <p:nvPr/>
+        </p:nvSpPr>
+        <p:spPr>
+          <a:xfrm>
+            <a:off x="618564" y="2393577"/>
+            <a:ext cx="1308847" cy="806823"/>
+          </a:xfrm>
+          <a:prstGeom prst="ellipse">
+            <a:avLst/>
+          </a:prstGeom>
+          <a:solidFill>
+            <a:schemeClr val="accent6">
+              <a:lumMod val="75000"/>
+            </a:schemeClr>
+          </a:solidFill>
+          <a:ln>
+            <a:solidFill>
+              <a:schemeClr val="accent6">
+                <a:lumMod val="75000"/>
+              </a:schemeClr>
+            </a:solidFill>
+          </a:ln>
+        </p:spPr>
+        <p:style>
+          <a:lnRef idx="2">
+            <a:schemeClr val="accent1">
+              <a:shade val="50000"/>
+            </a:schemeClr>
+          </a:lnRef>
+          <a:fillRef idx="1">
+            <a:schemeClr val="accent1"/>
+          </a:fillRef>
+          <a:effectRef idx="0">
+            <a:schemeClr val="accent1"/>
+          </a:effectRef>
+          <a:fontRef idx="minor">
+            <a:schemeClr val="lt1"/>
+          </a:fontRef>
+        </p:style>
+        <p:txBody>
+          <a:bodyPr rtlCol="0" anchor="ctr"/>
+          <a:lstStyle/>
+          <a:p>
+            <a:pPr algn="ctr"/>
+            <a:endParaRPr lang="en-US"/>
+          </a:p>
+        </p:txBody>
+      </p:sp>
+      <p:sp>
+        <p:nvSpPr>
+          <p:cNvPr id="6" name="Oval 5">
+            <a:extLst>
+              <a:ext uri="{FF2B5EF4-FFF2-40B4-BE49-F238E27FC236}">
+                <a16:creationId xmlns:a16="http://schemas.microsoft.com/office/drawing/2014/main" id="{2F323352-DC24-4255-9B1D-A914C0801D2F}"/>
+              </a:ext>
+            </a:extLst>
+          </p:cNvPr>
+          <p:cNvSpPr/>
+          <p:nvPr/>
+        </p:nvSpPr>
+        <p:spPr>
+          <a:xfrm>
+            <a:off x="618564" y="3684497"/>
+            <a:ext cx="1308847" cy="806823"/>
+          </a:xfrm>
+          <a:prstGeom prst="ellipse">
+            <a:avLst/>
+          </a:prstGeom>
+          <a:solidFill>
+            <a:schemeClr val="accent6">
+              <a:lumMod val="75000"/>
+            </a:schemeClr>
+          </a:solidFill>
+          <a:ln>
+            <a:solidFill>
+              <a:schemeClr val="accent6">
+                <a:lumMod val="75000"/>
+              </a:schemeClr>
+            </a:solidFill>
+          </a:ln>
+        </p:spPr>
+        <p:style>
+          <a:lnRef idx="2">
+            <a:schemeClr val="accent1">
+              <a:shade val="50000"/>
+            </a:schemeClr>
+          </a:lnRef>
+          <a:fillRef idx="1">
+            <a:schemeClr val="accent1"/>
+          </a:fillRef>
+          <a:effectRef idx="0">
+            <a:schemeClr val="accent1"/>
+          </a:effectRef>
+          <a:fontRef idx="minor">
+            <a:schemeClr val="lt1"/>
+          </a:fontRef>
+        </p:style>
+        <p:txBody>
+          <a:bodyPr rtlCol="0" anchor="ctr"/>
+          <a:lstStyle/>
+          <a:p>
+            <a:pPr algn="ctr"/>
+            <a:endParaRPr lang="en-US"/>
+          </a:p>
+        </p:txBody>
+      </p:sp>
+      <p:sp>
+        <p:nvSpPr>
+          <p:cNvPr id="8" name="Oval 7">
+            <a:extLst>
+              <a:ext uri="{FF2B5EF4-FFF2-40B4-BE49-F238E27FC236}">
+                <a16:creationId xmlns:a16="http://schemas.microsoft.com/office/drawing/2014/main" id="{F1B4FE4D-0F2B-4340-AAC1-AF39272E54DA}"/>
+              </a:ext>
+            </a:extLst>
+          </p:cNvPr>
+          <p:cNvSpPr/>
+          <p:nvPr/>
+        </p:nvSpPr>
+        <p:spPr>
+          <a:xfrm>
+            <a:off x="618563" y="4975417"/>
+            <a:ext cx="1308847" cy="806823"/>
+          </a:xfrm>
+          <a:prstGeom prst="ellipse">
+            <a:avLst/>
+          </a:prstGeom>
+          <a:solidFill>
+            <a:schemeClr val="accent6">
+              <a:lumMod val="75000"/>
+            </a:schemeClr>
+          </a:solidFill>
+          <a:ln>
+            <a:solidFill>
+              <a:schemeClr val="accent6">
+                <a:lumMod val="75000"/>
+              </a:schemeClr>
+            </a:solidFill>
+          </a:ln>
+        </p:spPr>
+        <p:style>
+          <a:lnRef idx="2">
+            <a:schemeClr val="accent1">
+              <a:shade val="50000"/>
+            </a:schemeClr>
+          </a:lnRef>
+          <a:fillRef idx="1">
+            <a:schemeClr val="accent1"/>
+          </a:fillRef>
+          <a:effectRef idx="0">
+            <a:schemeClr val="accent1"/>
+          </a:effectRef>
+          <a:fontRef idx="minor">
+            <a:schemeClr val="lt1"/>
+          </a:fontRef>
+        </p:style>
+        <p:txBody>
+          <a:bodyPr rtlCol="0" anchor="ctr"/>
+          <a:lstStyle/>
+          <a:p>
+            <a:pPr algn="ctr"/>
+            <a:endParaRPr lang="en-US"/>
+          </a:p>
+        </p:txBody>
+      </p:sp>
+      <p:sp>
+        <p:nvSpPr>
+          <p:cNvPr id="9" name="Oval 8">
+            <a:extLst>
+              <a:ext uri="{FF2B5EF4-FFF2-40B4-BE49-F238E27FC236}">
+                <a16:creationId xmlns:a16="http://schemas.microsoft.com/office/drawing/2014/main" id="{9A441E0A-4DCE-45AB-BFFB-E3F9F43AAC0D}"/>
+              </a:ext>
+            </a:extLst>
+          </p:cNvPr>
+          <p:cNvSpPr/>
+          <p:nvPr/>
+        </p:nvSpPr>
+        <p:spPr>
+          <a:xfrm>
+            <a:off x="4473390" y="1102657"/>
+            <a:ext cx="1308847" cy="806823"/>
+          </a:xfrm>
+          <a:prstGeom prst="ellipse">
+            <a:avLst/>
+          </a:prstGeom>
+          <a:solidFill>
+            <a:schemeClr val="accent4">
+              <a:lumMod val="60000"/>
+              <a:lumOff val="40000"/>
+            </a:schemeClr>
+          </a:solidFill>
+          <a:ln>
+            <a:solidFill>
+              <a:schemeClr val="accent4">
+                <a:lumMod val="60000"/>
+                <a:lumOff val="40000"/>
+              </a:schemeClr>
+            </a:solidFill>
+          </a:ln>
+          <a:effectLst>
+            <a:glow rad="228600">
+              <a:schemeClr val="accent5">
+                <a:satMod val="175000"/>
+                <a:alpha val="71000"/>
+              </a:schemeClr>
+            </a:glow>
+          </a:effectLst>
+        </p:spPr>
+        <p:style>
+          <a:lnRef idx="2">
+            <a:schemeClr val="accent1">
+              <a:shade val="50000"/>
+            </a:schemeClr>
+          </a:lnRef>
+          <a:fillRef idx="1">
+            <a:schemeClr val="accent1"/>
+          </a:fillRef>
+          <a:effectRef idx="0">
+            <a:schemeClr val="accent1"/>
+          </a:effectRef>
+          <a:fontRef idx="minor">
+            <a:schemeClr val="lt1"/>
+          </a:fontRef>
+        </p:style>
+        <p:txBody>
+          <a:bodyPr rtlCol="0" anchor="ctr"/>
+          <a:lstStyle/>
+          <a:p>
+            <a:pPr algn="ctr"/>
+            <a:endParaRPr lang="en-US"/>
+          </a:p>
+        </p:txBody>
+      </p:sp>
+      <p:pic>
+        <p:nvPicPr>
+          <p:cNvPr id="7" name="Picture 6" descr="\documentclass{article}&#10;\usepackage{amsmath}&#10;\pagestyle{empty}&#10;\begin{document}&#10;&#10;$n_B$ independent decisions&#10;&#10;&#10;\end{document}" title="IguanaTex Bitmap Display">
+            <a:extLst>
+              <a:ext uri="{FF2B5EF4-FFF2-40B4-BE49-F238E27FC236}">
+                <a16:creationId xmlns:a16="http://schemas.microsoft.com/office/drawing/2014/main" id="{6177B82F-0780-435B-9D9F-ADBEA9F3A4B4}"/>
+              </a:ext>
+            </a:extLst>
+          </p:cNvPr>
+          <p:cNvPicPr>
+            <a:picLocks noChangeAspect="1"/>
+          </p:cNvPicPr>
+          <p:nvPr>
+            <p:custDataLst>
+              <p:tags r:id="rId1"/>
+            </p:custDataLst>
+          </p:nvPr>
+        </p:nvPicPr>
+        <p:blipFill>
+          <a:blip r:embed="rId5">
+            <a:extLst>
+              <a:ext uri="{28A0092B-C50C-407E-A947-70E740481C1C}">
+                <a14:useLocalDpi xmlns:a14="http://schemas.microsoft.com/office/drawing/2010/main" val="0"/>
+              </a:ext>
+            </a:extLst>
+          </a:blip>
+          <a:stretch>
+            <a:fillRect/>
+          </a:stretch>
+        </p:blipFill>
+        <p:spPr>
+          <a:xfrm>
+            <a:off x="3874264" y="518304"/>
+            <a:ext cx="2507097" cy="200513"/>
+          </a:xfrm>
+          <a:prstGeom prst="rect">
+            <a:avLst/>
+          </a:prstGeom>
+        </p:spPr>
+      </p:pic>
+      <p:sp>
+        <p:nvSpPr>
+          <p:cNvPr id="14" name="Oval 13">
+            <a:extLst>
+              <a:ext uri="{FF2B5EF4-FFF2-40B4-BE49-F238E27FC236}">
+                <a16:creationId xmlns:a16="http://schemas.microsoft.com/office/drawing/2014/main" id="{8285A33D-496E-48BE-97A9-5878440A09BC}"/>
+              </a:ext>
+            </a:extLst>
+          </p:cNvPr>
+          <p:cNvSpPr/>
+          <p:nvPr/>
+        </p:nvSpPr>
+        <p:spPr>
+          <a:xfrm>
+            <a:off x="4473390" y="2393576"/>
+            <a:ext cx="1308847" cy="806823"/>
+          </a:xfrm>
+          <a:prstGeom prst="ellipse">
+            <a:avLst/>
+          </a:prstGeom>
+          <a:solidFill>
+            <a:schemeClr val="accent4">
+              <a:lumMod val="60000"/>
+              <a:lumOff val="40000"/>
+            </a:schemeClr>
+          </a:solidFill>
+          <a:ln>
+            <a:solidFill>
+              <a:schemeClr val="accent4">
+                <a:lumMod val="60000"/>
+                <a:lumOff val="40000"/>
+              </a:schemeClr>
+            </a:solidFill>
+          </a:ln>
+          <a:effectLst/>
+        </p:spPr>
+        <p:style>
+          <a:lnRef idx="2">
+            <a:schemeClr val="accent1">
+              <a:shade val="50000"/>
+            </a:schemeClr>
+          </a:lnRef>
+          <a:fillRef idx="1">
+            <a:schemeClr val="accent1"/>
+          </a:fillRef>
+          <a:effectRef idx="0">
+            <a:schemeClr val="accent1"/>
+          </a:effectRef>
+          <a:fontRef idx="minor">
+            <a:schemeClr val="lt1"/>
+          </a:fontRef>
+        </p:style>
+        <p:txBody>
+          <a:bodyPr rtlCol="0" anchor="ctr"/>
+          <a:lstStyle/>
+          <a:p>
+            <a:pPr algn="ctr"/>
+            <a:endParaRPr lang="en-US"/>
+          </a:p>
+        </p:txBody>
+      </p:sp>
+      <p:sp>
+        <p:nvSpPr>
+          <p:cNvPr id="15" name="Oval 14">
+            <a:extLst>
+              <a:ext uri="{FF2B5EF4-FFF2-40B4-BE49-F238E27FC236}">
+                <a16:creationId xmlns:a16="http://schemas.microsoft.com/office/drawing/2014/main" id="{AB4311BF-63E5-4364-A8E9-EFFDA4D36FA5}"/>
+              </a:ext>
+            </a:extLst>
+          </p:cNvPr>
+          <p:cNvSpPr/>
+          <p:nvPr/>
+        </p:nvSpPr>
+        <p:spPr>
+          <a:xfrm>
+            <a:off x="4473390" y="3684495"/>
+            <a:ext cx="1308847" cy="806823"/>
+          </a:xfrm>
+          <a:prstGeom prst="ellipse">
+            <a:avLst/>
+          </a:prstGeom>
+          <a:solidFill>
+            <a:schemeClr val="accent4">
+              <a:lumMod val="60000"/>
+              <a:lumOff val="40000"/>
+            </a:schemeClr>
+          </a:solidFill>
+          <a:ln>
+            <a:solidFill>
+              <a:schemeClr val="accent4">
+                <a:lumMod val="60000"/>
+                <a:lumOff val="40000"/>
+              </a:schemeClr>
+            </a:solidFill>
+          </a:ln>
+          <a:effectLst/>
+        </p:spPr>
+        <p:style>
+          <a:lnRef idx="2">
+            <a:schemeClr val="accent1">
+              <a:shade val="50000"/>
+            </a:schemeClr>
+          </a:lnRef>
+          <a:fillRef idx="1">
+            <a:schemeClr val="accent1"/>
+          </a:fillRef>
+          <a:effectRef idx="0">
+            <a:schemeClr val="accent1"/>
+          </a:effectRef>
+          <a:fontRef idx="minor">
+            <a:schemeClr val="lt1"/>
+          </a:fontRef>
+        </p:style>
+        <p:txBody>
+          <a:bodyPr rtlCol="0" anchor="ctr"/>
+          <a:lstStyle/>
+          <a:p>
+            <a:pPr algn="ctr"/>
+            <a:endParaRPr lang="en-US"/>
+          </a:p>
+        </p:txBody>
+      </p:sp>
+      <p:sp>
+        <p:nvSpPr>
+          <p:cNvPr id="16" name="Oval 15">
+            <a:extLst>
+              <a:ext uri="{FF2B5EF4-FFF2-40B4-BE49-F238E27FC236}">
+                <a16:creationId xmlns:a16="http://schemas.microsoft.com/office/drawing/2014/main" id="{976FBFC3-1BE7-4DBF-9B0B-A496E1E1C88E}"/>
+              </a:ext>
+            </a:extLst>
+          </p:cNvPr>
+          <p:cNvSpPr/>
+          <p:nvPr/>
+        </p:nvSpPr>
+        <p:spPr>
+          <a:xfrm>
+            <a:off x="4473390" y="4975414"/>
+            <a:ext cx="1308847" cy="806823"/>
+          </a:xfrm>
+          <a:prstGeom prst="ellipse">
+            <a:avLst/>
+          </a:prstGeom>
+          <a:solidFill>
+            <a:schemeClr val="accent4">
+              <a:lumMod val="60000"/>
+              <a:lumOff val="40000"/>
+            </a:schemeClr>
+          </a:solidFill>
+          <a:ln>
+            <a:solidFill>
+              <a:schemeClr val="accent4">
+                <a:lumMod val="60000"/>
+                <a:lumOff val="40000"/>
+              </a:schemeClr>
+            </a:solidFill>
+          </a:ln>
+          <a:effectLst/>
+        </p:spPr>
+        <p:style>
+          <a:lnRef idx="2">
+            <a:schemeClr val="accent1">
+              <a:shade val="50000"/>
+            </a:schemeClr>
+          </a:lnRef>
+          <a:fillRef idx="1">
+            <a:schemeClr val="accent1"/>
+          </a:fillRef>
+          <a:effectRef idx="0">
+            <a:schemeClr val="accent1"/>
+          </a:effectRef>
+          <a:fontRef idx="minor">
+            <a:schemeClr val="lt1"/>
+          </a:fontRef>
+        </p:style>
+        <p:txBody>
+          <a:bodyPr rtlCol="0" anchor="ctr"/>
+          <a:lstStyle/>
+          <a:p>
+            <a:pPr algn="ctr"/>
+            <a:endParaRPr lang="en-US"/>
+          </a:p>
+        </p:txBody>
+      </p:sp>
+      <p:cxnSp>
+        <p:nvCxnSpPr>
+          <p:cNvPr id="3" name="Straight Connector 2">
+            <a:extLst>
+              <a:ext uri="{FF2B5EF4-FFF2-40B4-BE49-F238E27FC236}">
+                <a16:creationId xmlns:a16="http://schemas.microsoft.com/office/drawing/2014/main" id="{82C0566B-2A73-4582-8C2A-D9887085417A}"/>
+              </a:ext>
+            </a:extLst>
+          </p:cNvPr>
+          <p:cNvCxnSpPr/>
+          <p:nvPr/>
+        </p:nvCxnSpPr>
+        <p:spPr>
+          <a:xfrm>
+            <a:off x="2241176" y="1488141"/>
+            <a:ext cx="1837765" cy="0"/>
+          </a:xfrm>
+          <a:prstGeom prst="line">
+            <a:avLst/>
+          </a:prstGeom>
+          <a:ln w="38100"/>
+          <a:effectLst>
+            <a:glow rad="139700">
+              <a:schemeClr val="accent5">
+                <a:satMod val="175000"/>
+                <a:alpha val="40000"/>
+              </a:schemeClr>
+            </a:glow>
+          </a:effectLst>
+        </p:spPr>
+        <p:style>
+          <a:lnRef idx="1">
+            <a:schemeClr val="dk1"/>
+          </a:lnRef>
+          <a:fillRef idx="0">
+            <a:schemeClr val="dk1"/>
+          </a:fillRef>
+          <a:effectRef idx="0">
+            <a:schemeClr val="dk1"/>
+          </a:effectRef>
+          <a:fontRef idx="minor">
+            <a:schemeClr val="tx1"/>
+          </a:fontRef>
+        </p:style>
+      </p:cxnSp>
+      <p:cxnSp>
+        <p:nvCxnSpPr>
+          <p:cNvPr id="13" name="Straight Connector 12">
+            <a:extLst>
+              <a:ext uri="{FF2B5EF4-FFF2-40B4-BE49-F238E27FC236}">
+                <a16:creationId xmlns:a16="http://schemas.microsoft.com/office/drawing/2014/main" id="{2E96583A-8207-42F4-8C5A-457B4C4D32C6}"/>
+              </a:ext>
+            </a:extLst>
+          </p:cNvPr>
+          <p:cNvCxnSpPr>
+            <a:cxnSpLocks/>
+          </p:cNvCxnSpPr>
+          <p:nvPr/>
+        </p:nvCxnSpPr>
+        <p:spPr>
+          <a:xfrm>
+            <a:off x="2281517" y="1676400"/>
+            <a:ext cx="1905001" cy="2393576"/>
+          </a:xfrm>
+          <a:prstGeom prst="line">
+            <a:avLst/>
+          </a:prstGeom>
+          <a:ln w="38100">
+            <a:solidFill>
+              <a:schemeClr val="bg1">
+                <a:lumMod val="85000"/>
+              </a:schemeClr>
+            </a:solidFill>
+          </a:ln>
+        </p:spPr>
+        <p:style>
+          <a:lnRef idx="1">
+            <a:schemeClr val="dk1"/>
+          </a:lnRef>
+          <a:fillRef idx="0">
+            <a:schemeClr val="dk1"/>
+          </a:fillRef>
+          <a:effectRef idx="0">
+            <a:schemeClr val="dk1"/>
+          </a:effectRef>
+          <a:fontRef idx="minor">
+            <a:schemeClr val="tx1"/>
+          </a:fontRef>
+        </p:style>
+      </p:cxnSp>
+      <p:pic>
+        <p:nvPicPr>
+          <p:cNvPr id="17" name="Picture 16" descr="\documentclass{article}&#10;\usepackage{amsmath}&#10;\pagestyle{empty}&#10;\begin{document}&#10;&#10;&#10;$P(Z_1  = 1) = .95$&#10;&#10;\end{document}" title="IguanaTex Bitmap Display">
+            <a:extLst>
+              <a:ext uri="{FF2B5EF4-FFF2-40B4-BE49-F238E27FC236}">
+                <a16:creationId xmlns:a16="http://schemas.microsoft.com/office/drawing/2014/main" id="{C5BF84E3-E967-40E2-8879-F315E5912834}"/>
+              </a:ext>
+            </a:extLst>
+          </p:cNvPr>
+          <p:cNvPicPr>
+            <a:picLocks noChangeAspect="1"/>
+          </p:cNvPicPr>
+          <p:nvPr>
+            <p:custDataLst>
+              <p:tags r:id="rId2"/>
+            </p:custDataLst>
+          </p:nvPr>
+        </p:nvPicPr>
+        <p:blipFill>
+          <a:blip r:embed="rId6">
+            <a:extLst>
+              <a:ext uri="{28A0092B-C50C-407E-A947-70E740481C1C}">
+                <a14:useLocalDpi xmlns:a14="http://schemas.microsoft.com/office/drawing/2010/main" val="0"/>
+              </a:ext>
+            </a:extLst>
+          </a:blip>
+          <a:stretch>
+            <a:fillRect/>
+          </a:stretch>
+        </p:blipFill>
+        <p:spPr>
+          <a:xfrm>
+            <a:off x="2545976" y="1170314"/>
+            <a:ext cx="1308847" cy="186818"/>
+          </a:xfrm>
+          <a:prstGeom prst="rect">
+            <a:avLst/>
+          </a:prstGeom>
+        </p:spPr>
+      </p:pic>
+      <p:pic>
+        <p:nvPicPr>
+          <p:cNvPr id="12" name="Picture 11" descr="\documentclass{article}&#10;\usepackage{amsmath}&#10;\pagestyle{empty}&#10;\begin{document}&#10;&#10;&#10;$P(Z_3  = 1) = .95$&#10;&#10;\end{document}" title="IguanaTex Bitmap Display">
+            <a:extLst>
+              <a:ext uri="{FF2B5EF4-FFF2-40B4-BE49-F238E27FC236}">
+                <a16:creationId xmlns:a16="http://schemas.microsoft.com/office/drawing/2014/main" id="{BBFDC54F-2BC8-41CF-B270-C7C4B1C62DA7}"/>
+              </a:ext>
+            </a:extLst>
+          </p:cNvPr>
+          <p:cNvPicPr>
+            <a:picLocks noChangeAspect="1"/>
+          </p:cNvPicPr>
+          <p:nvPr>
+            <p:custDataLst>
+              <p:tags r:id="rId3"/>
+            </p:custDataLst>
+          </p:nvPr>
+        </p:nvPicPr>
+        <p:blipFill>
+          <a:blip r:embed="rId7">
+            <a:extLst>
+              <a:ext uri="{28A0092B-C50C-407E-A947-70E740481C1C}">
+                <a14:useLocalDpi xmlns:a14="http://schemas.microsoft.com/office/drawing/2010/main" val="0"/>
+              </a:ext>
+            </a:extLst>
+          </a:blip>
+          <a:stretch>
+            <a:fillRect/>
+          </a:stretch>
+        </p:blipFill>
+        <p:spPr>
+          <a:xfrm>
+            <a:off x="2097741" y="3497677"/>
+            <a:ext cx="1308847" cy="186818"/>
+          </a:xfrm>
+          <a:prstGeom prst="rect">
+            <a:avLst/>
+          </a:prstGeom>
+        </p:spPr>
+      </p:pic>
+    </p:spTree>
+    <p:extLst>
+      <p:ext uri="{BB962C8B-B14F-4D97-AF65-F5344CB8AC3E}">
+        <p14:creationId xmlns:p14="http://schemas.microsoft.com/office/powerpoint/2010/main" val="3575644998"/>
+      </p:ext>
+    </p:extLst>
+  </p:cSld>
+  <p:clrMapOvr>
+    <a:masterClrMapping/>
+  </p:clrMapOvr>
+</p:sld>
+</file>
+
 <file path=ppt/tags/tag1.xml><?xml version="1.0" encoding="utf-8"?>
 <p:tagLst xmlns:a="http://schemas.openxmlformats.org/drawingml/2006/main" xmlns:r="http://schemas.openxmlformats.org/officeDocument/2006/relationships" xmlns:p="http://schemas.openxmlformats.org/presentationml/2006/main">
   <p:tag name="OUTPUTDPI" val="1200"/>
@@ -7101,6 +8547,42 @@
   <p:tag name="LATEXADDIN" val="\documentclass{article}&#10;\usepackage{amsmath}&#10;\pagestyle{empty}&#10;\begin{document}&#10;&#10;$n_A n_B$ independent decisions&#10;&#10;&#10;\end{document}"/>
   <p:tag name="IGUANATEXSIZE" val="20"/>
   <p:tag name="IGUANATEXCURSOR" val="89"/>
+  <p:tag name="TRANSPARENCY" val="True"/>
+  <p:tag name="LATEXENGINEID" val="0"/>
+  <p:tag name="TEMPFOLDER" val="c:\temp\"/>
+  <p:tag name="LATEXFORMHEIGHT" val="312"/>
+  <p:tag name="LATEXFORMWIDTH" val="384"/>
+  <p:tag name="LATEXFORMWRAP" val="True"/>
+  <p:tag name="BITMAPVECTOR" val="0"/>
+</p:tagLst>
+</file>
+
+<file path=ppt/tags/tag10.xml><?xml version="1.0" encoding="utf-8"?>
+<p:tagLst xmlns:a="http://schemas.openxmlformats.org/drawingml/2006/main" xmlns:r="http://schemas.openxmlformats.org/officeDocument/2006/relationships" xmlns:p="http://schemas.openxmlformats.org/presentationml/2006/main">
+  <p:tag name="OUTPUTDPI" val="1200"/>
+  <p:tag name="ORIGINALHEIGHT" val="125.2343"/>
+  <p:tag name="ORIGINALWIDTH" val="877.3903"/>
+  <p:tag name="LATEXADDIN" val="\documentclass{article}&#10;\usepackage{amsmath}&#10;\pagestyle{empty}&#10;\begin{document}&#10;&#10;&#10;$P(Z_1  = 1) = .95$&#10;&#10;\end{document}"/>
+  <p:tag name="IGUANATEXSIZE" val="20"/>
+  <p:tag name="IGUANATEXCURSOR" val="101"/>
+  <p:tag name="TRANSPARENCY" val="True"/>
+  <p:tag name="LATEXENGINEID" val="0"/>
+  <p:tag name="TEMPFOLDER" val="c:\temp\"/>
+  <p:tag name="LATEXFORMHEIGHT" val="312"/>
+  <p:tag name="LATEXFORMWIDTH" val="384"/>
+  <p:tag name="LATEXFORMWRAP" val="True"/>
+  <p:tag name="BITMAPVECTOR" val="0"/>
+</p:tagLst>
+</file>
+
+<file path=ppt/tags/tag11.xml><?xml version="1.0" encoding="utf-8"?>
+<p:tagLst xmlns:a="http://schemas.openxmlformats.org/drawingml/2006/main" xmlns:r="http://schemas.openxmlformats.org/officeDocument/2006/relationships" xmlns:p="http://schemas.openxmlformats.org/presentationml/2006/main">
+  <p:tag name="OUTPUTDPI" val="1200"/>
+  <p:tag name="ORIGINALHEIGHT" val="125.2343"/>
+  <p:tag name="ORIGINALWIDTH" val="877.3903"/>
+  <p:tag name="LATEXADDIN" val="\documentclass{article}&#10;\usepackage{amsmath}&#10;\pagestyle{empty}&#10;\begin{document}&#10;&#10;&#10;$P(Z_3  = 1) = .95$&#10;&#10;\end{document}"/>
+  <p:tag name="IGUANATEXSIZE" val="20"/>
+  <p:tag name="IGUANATEXCURSOR" val="88"/>
   <p:tag name="TRANSPARENCY" val="True"/>
   <p:tag name="LATEXENGINEID" val="0"/>
   <p:tag name="TEMPFOLDER" val="c:\temp\"/>
@@ -7166,6 +8648,78 @@
 </file>
 
 <file path=ppt/tags/tag5.xml><?xml version="1.0" encoding="utf-8"?>
+<p:tagLst xmlns:a="http://schemas.openxmlformats.org/drawingml/2006/main" xmlns:r="http://schemas.openxmlformats.org/officeDocument/2006/relationships" xmlns:p="http://schemas.openxmlformats.org/presentationml/2006/main">
+  <p:tag name="OUTPUTDPI" val="1200"/>
+  <p:tag name="ORIGINALHEIGHT" val="110.2362"/>
+  <p:tag name="ORIGINALWIDTH" val="1378.328"/>
+  <p:tag name="LATEXADDIN" val="\documentclass{article}&#10;\usepackage{amsmath}&#10;\pagestyle{empty}&#10;\begin{document}&#10;&#10;$n_B$ independent decisions&#10;&#10;&#10;\end{document}"/>
+  <p:tag name="IGUANATEXSIZE" val="20"/>
+  <p:tag name="IGUANATEXCURSOR" val="89"/>
+  <p:tag name="TRANSPARENCY" val="True"/>
+  <p:tag name="LATEXENGINEID" val="0"/>
+  <p:tag name="TEMPFOLDER" val="c:\temp\"/>
+  <p:tag name="LATEXFORMHEIGHT" val="312"/>
+  <p:tag name="LATEXFORMWIDTH" val="384"/>
+  <p:tag name="LATEXFORMWRAP" val="True"/>
+  <p:tag name="BITMAPVECTOR" val="0"/>
+</p:tagLst>
+</file>
+
+<file path=ppt/tags/tag6.xml><?xml version="1.0" encoding="utf-8"?>
+<p:tagLst xmlns:a="http://schemas.openxmlformats.org/drawingml/2006/main" xmlns:r="http://schemas.openxmlformats.org/officeDocument/2006/relationships" xmlns:p="http://schemas.openxmlformats.org/presentationml/2006/main">
+  <p:tag name="OUTPUTDPI" val="1200"/>
+  <p:tag name="ORIGINALHEIGHT" val="110.2362"/>
+  <p:tag name="ORIGINALWIDTH" val="1378.328"/>
+  <p:tag name="LATEXADDIN" val="\documentclass{article}&#10;\usepackage{amsmath}&#10;\pagestyle{empty}&#10;\begin{document}&#10;&#10;$n_B$ independent decisions&#10;&#10;&#10;\end{document}"/>
+  <p:tag name="IGUANATEXSIZE" val="20"/>
+  <p:tag name="IGUANATEXCURSOR" val="89"/>
+  <p:tag name="TRANSPARENCY" val="True"/>
+  <p:tag name="LATEXENGINEID" val="0"/>
+  <p:tag name="TEMPFOLDER" val="c:\temp\"/>
+  <p:tag name="LATEXFORMHEIGHT" val="312"/>
+  <p:tag name="LATEXFORMWIDTH" val="384"/>
+  <p:tag name="LATEXFORMWRAP" val="True"/>
+  <p:tag name="BITMAPVECTOR" val="0"/>
+</p:tagLst>
+</file>
+
+<file path=ppt/tags/tag7.xml><?xml version="1.0" encoding="utf-8"?>
+<p:tagLst xmlns:a="http://schemas.openxmlformats.org/drawingml/2006/main" xmlns:r="http://schemas.openxmlformats.org/officeDocument/2006/relationships" xmlns:p="http://schemas.openxmlformats.org/presentationml/2006/main">
+  <p:tag name="OUTPUTDPI" val="1200"/>
+  <p:tag name="ORIGINALHEIGHT" val="125.2343"/>
+  <p:tag name="ORIGINALWIDTH" val="877.3903"/>
+  <p:tag name="LATEXADDIN" val="\documentclass{article}&#10;\usepackage{amsmath}&#10;\pagestyle{empty}&#10;\begin{document}&#10;&#10;&#10;$P(Z_1  = 1) = .95$&#10;&#10;\end{document}"/>
+  <p:tag name="IGUANATEXSIZE" val="20"/>
+  <p:tag name="IGUANATEXCURSOR" val="101"/>
+  <p:tag name="TRANSPARENCY" val="True"/>
+  <p:tag name="LATEXENGINEID" val="0"/>
+  <p:tag name="TEMPFOLDER" val="c:\temp\"/>
+  <p:tag name="LATEXFORMHEIGHT" val="312"/>
+  <p:tag name="LATEXFORMWIDTH" val="384"/>
+  <p:tag name="LATEXFORMWRAP" val="True"/>
+  <p:tag name="BITMAPVECTOR" val="0"/>
+</p:tagLst>
+</file>
+
+<file path=ppt/tags/tag8.xml><?xml version="1.0" encoding="utf-8"?>
+<p:tagLst xmlns:a="http://schemas.openxmlformats.org/drawingml/2006/main" xmlns:r="http://schemas.openxmlformats.org/officeDocument/2006/relationships" xmlns:p="http://schemas.openxmlformats.org/presentationml/2006/main">
+  <p:tag name="OUTPUTDPI" val="1200"/>
+  <p:tag name="ORIGINALHEIGHT" val="125.2343"/>
+  <p:tag name="ORIGINALWIDTH" val="877.3903"/>
+  <p:tag name="LATEXADDIN" val="\documentclass{article}&#10;\usepackage{amsmath}&#10;\pagestyle{empty}&#10;\begin{document}&#10;&#10;&#10;$P(Z_3  = 1) = .95$&#10;&#10;\end{document}"/>
+  <p:tag name="IGUANATEXSIZE" val="20"/>
+  <p:tag name="IGUANATEXCURSOR" val="88"/>
+  <p:tag name="TRANSPARENCY" val="True"/>
+  <p:tag name="LATEXENGINEID" val="0"/>
+  <p:tag name="TEMPFOLDER" val="c:\temp\"/>
+  <p:tag name="LATEXFORMHEIGHT" val="312"/>
+  <p:tag name="LATEXFORMWIDTH" val="384"/>
+  <p:tag name="LATEXFORMWRAP" val="True"/>
+  <p:tag name="BITMAPVECTOR" val="0"/>
+</p:tagLst>
+</file>
+
+<file path=ppt/tags/tag9.xml><?xml version="1.0" encoding="utf-8"?>
 <p:tagLst xmlns:a="http://schemas.openxmlformats.org/drawingml/2006/main" xmlns:r="http://schemas.openxmlformats.org/officeDocument/2006/relationships" xmlns:p="http://schemas.openxmlformats.org/presentationml/2006/main">
   <p:tag name="OUTPUTDPI" val="1200"/>
   <p:tag name="ORIGINALHEIGHT" val="110.2362"/>
